--- a/Github-Actions.pptx
+++ b/Github-Actions.pptx
@@ -219,7 +219,7 @@
           <a:p>
             <a:fld id="{41176492-ED58-4126-9EB3-D309B00F2354}" type="datetimeFigureOut">
               <a:rPr lang="en-PH" smtClean="0"/>
-              <a:t>31/07/2024</a:t>
+              <a:t>02/08/2024</a:t>
             </a:fld>
             <a:endParaRPr lang="en-PH"/>
           </a:p>
@@ -1046,7 +1046,7 @@
             <a:fld id="{1D8BD707-D9CF-40AE-B4C6-C98DA3205C09}" type="datetimeFigureOut">
               <a:rPr lang="en-US" smtClean="0"/>
               <a:pPr/>
-              <a:t>7/31/2024</a:t>
+              <a:t>8/2/2024</a:t>
             </a:fld>
             <a:endParaRPr lang="en-US"/>
           </a:p>
@@ -1211,7 +1211,7 @@
             <a:fld id="{1D8BD707-D9CF-40AE-B4C6-C98DA3205C09}" type="datetimeFigureOut">
               <a:rPr lang="en-US" smtClean="0"/>
               <a:pPr/>
-              <a:t>7/31/2024</a:t>
+              <a:t>8/2/2024</a:t>
             </a:fld>
             <a:endParaRPr lang="en-US"/>
           </a:p>
@@ -1386,7 +1386,7 @@
             <a:fld id="{1D8BD707-D9CF-40AE-B4C6-C98DA3205C09}" type="datetimeFigureOut">
               <a:rPr lang="en-US" smtClean="0"/>
               <a:pPr/>
-              <a:t>7/31/2024</a:t>
+              <a:t>8/2/2024</a:t>
             </a:fld>
             <a:endParaRPr lang="en-US"/>
           </a:p>
@@ -1551,7 +1551,7 @@
             <a:fld id="{1D8BD707-D9CF-40AE-B4C6-C98DA3205C09}" type="datetimeFigureOut">
               <a:rPr lang="en-US" smtClean="0"/>
               <a:pPr/>
-              <a:t>7/31/2024</a:t>
+              <a:t>8/2/2024</a:t>
             </a:fld>
             <a:endParaRPr lang="en-US"/>
           </a:p>
@@ -1793,7 +1793,7 @@
             <a:fld id="{1D8BD707-D9CF-40AE-B4C6-C98DA3205C09}" type="datetimeFigureOut">
               <a:rPr lang="en-US" smtClean="0"/>
               <a:pPr/>
-              <a:t>7/31/2024</a:t>
+              <a:t>8/2/2024</a:t>
             </a:fld>
             <a:endParaRPr lang="en-US"/>
           </a:p>
@@ -2075,7 +2075,7 @@
             <a:fld id="{1D8BD707-D9CF-40AE-B4C6-C98DA3205C09}" type="datetimeFigureOut">
               <a:rPr lang="en-US" smtClean="0"/>
               <a:pPr/>
-              <a:t>7/31/2024</a:t>
+              <a:t>8/2/2024</a:t>
             </a:fld>
             <a:endParaRPr lang="en-US"/>
           </a:p>
@@ -2491,7 +2491,7 @@
             <a:fld id="{1D8BD707-D9CF-40AE-B4C6-C98DA3205C09}" type="datetimeFigureOut">
               <a:rPr lang="en-US" smtClean="0"/>
               <a:pPr/>
-              <a:t>7/31/2024</a:t>
+              <a:t>8/2/2024</a:t>
             </a:fld>
             <a:endParaRPr lang="en-US"/>
           </a:p>
@@ -2605,7 +2605,7 @@
             <a:fld id="{1D8BD707-D9CF-40AE-B4C6-C98DA3205C09}" type="datetimeFigureOut">
               <a:rPr lang="en-US" smtClean="0"/>
               <a:pPr/>
-              <a:t>7/31/2024</a:t>
+              <a:t>8/2/2024</a:t>
             </a:fld>
             <a:endParaRPr lang="en-US"/>
           </a:p>
@@ -2697,7 +2697,7 @@
             <a:fld id="{1D8BD707-D9CF-40AE-B4C6-C98DA3205C09}" type="datetimeFigureOut">
               <a:rPr lang="en-US" smtClean="0"/>
               <a:pPr/>
-              <a:t>7/31/2024</a:t>
+              <a:t>8/2/2024</a:t>
             </a:fld>
             <a:endParaRPr lang="en-US"/>
           </a:p>
@@ -2969,7 +2969,7 @@
             <a:fld id="{1D8BD707-D9CF-40AE-B4C6-C98DA3205C09}" type="datetimeFigureOut">
               <a:rPr lang="en-US" smtClean="0"/>
               <a:pPr/>
-              <a:t>7/31/2024</a:t>
+              <a:t>8/2/2024</a:t>
             </a:fld>
             <a:endParaRPr lang="en-US"/>
           </a:p>
@@ -3218,7 +3218,7 @@
             <a:fld id="{1D8BD707-D9CF-40AE-B4C6-C98DA3205C09}" type="datetimeFigureOut">
               <a:rPr lang="en-US" smtClean="0"/>
               <a:pPr/>
-              <a:t>7/31/2024</a:t>
+              <a:t>8/2/2024</a:t>
             </a:fld>
             <a:endParaRPr lang="en-US"/>
           </a:p>
@@ -3426,7 +3426,7 @@
             <a:fld id="{1D8BD707-D9CF-40AE-B4C6-C98DA3205C09}" type="datetimeFigureOut">
               <a:rPr lang="en-US" smtClean="0"/>
               <a:pPr/>
-              <a:t>7/31/2024</a:t>
+              <a:t>8/2/2024</a:t>
             </a:fld>
             <a:endParaRPr lang="en-US"/>
           </a:p>
@@ -4167,7 +4167,7 @@
               </a:lnSpc>
             </a:pPr>
             <a:r>
-              <a:rPr lang="en-US" sz="3200" dirty="0">
+              <a:rPr lang="en-US" sz="3200">
                 <a:solidFill>
                   <a:schemeClr val="bg1"/>
                 </a:solidFill>
@@ -4175,7 +4175,7 @@
                 <a:ea typeface="Calibri" panose="020F0502020204030204" pitchFamily="34" charset="0"/>
                 <a:cs typeface="Times New Roman" panose="02020603050405020304" pitchFamily="18" charset="0"/>
               </a:rPr>
-              <a:t>45min</a:t>
+              <a:t>60min</a:t>
             </a:r>
             <a:endParaRPr lang="en-BE" sz="3200" dirty="0">
               <a:solidFill>
@@ -7536,388 +7536,6 @@
   <p:clrMapOvr>
     <a:masterClrMapping/>
   </p:clrMapOvr>
-  <p:timing>
-    <p:tnLst>
-      <p:par>
-        <p:cTn id="1" dur="indefinite" restart="never" nodeType="tmRoot">
-          <p:childTnLst>
-            <p:seq concurrent="1" nextAc="seek">
-              <p:cTn id="2" dur="indefinite" nodeType="mainSeq">
-                <p:childTnLst>
-                  <p:par>
-                    <p:cTn id="3" fill="hold">
-                      <p:stCondLst>
-                        <p:cond delay="indefinite"/>
-                      </p:stCondLst>
-                      <p:childTnLst>
-                        <p:par>
-                          <p:cTn id="4" fill="hold">
-                            <p:stCondLst>
-                              <p:cond delay="0"/>
-                            </p:stCondLst>
-                            <p:childTnLst>
-                              <p:par>
-                                <p:cTn id="5" presetID="1" presetClass="entr" presetSubtype="0" fill="hold" grpId="0" nodeType="clickEffect">
-                                  <p:stCondLst>
-                                    <p:cond delay="0"/>
-                                  </p:stCondLst>
-                                  <p:childTnLst>
-                                    <p:set>
-                                      <p:cBhvr>
-                                        <p:cTn id="6" dur="1" fill="hold">
-                                          <p:stCondLst>
-                                            <p:cond delay="0"/>
-                                          </p:stCondLst>
-                                        </p:cTn>
-                                        <p:tgtEl>
-                                          <p:spTgt spid="15">
-                                            <p:txEl>
-                                              <p:pRg st="0" end="0"/>
-                                            </p:txEl>
-                                          </p:spTgt>
-                                        </p:tgtEl>
-                                        <p:attrNameLst>
-                                          <p:attrName>style.visibility</p:attrName>
-                                        </p:attrNameLst>
-                                      </p:cBhvr>
-                                      <p:to>
-                                        <p:strVal val="visible"/>
-                                      </p:to>
-                                    </p:set>
-                                  </p:childTnLst>
-                                </p:cTn>
-                              </p:par>
-                            </p:childTnLst>
-                          </p:cTn>
-                        </p:par>
-                      </p:childTnLst>
-                    </p:cTn>
-                  </p:par>
-                  <p:par>
-                    <p:cTn id="7" fill="hold">
-                      <p:stCondLst>
-                        <p:cond delay="indefinite"/>
-                      </p:stCondLst>
-                      <p:childTnLst>
-                        <p:par>
-                          <p:cTn id="8" fill="hold">
-                            <p:stCondLst>
-                              <p:cond delay="0"/>
-                            </p:stCondLst>
-                            <p:childTnLst>
-                              <p:par>
-                                <p:cTn id="9" presetID="1" presetClass="entr" presetSubtype="0" fill="hold" grpId="0" nodeType="clickEffect">
-                                  <p:stCondLst>
-                                    <p:cond delay="0"/>
-                                  </p:stCondLst>
-                                  <p:childTnLst>
-                                    <p:set>
-                                      <p:cBhvr>
-                                        <p:cTn id="10" dur="1" fill="hold">
-                                          <p:stCondLst>
-                                            <p:cond delay="0"/>
-                                          </p:stCondLst>
-                                        </p:cTn>
-                                        <p:tgtEl>
-                                          <p:spTgt spid="26">
-                                            <p:txEl>
-                                              <p:pRg st="0" end="0"/>
-                                            </p:txEl>
-                                          </p:spTgt>
-                                        </p:tgtEl>
-                                        <p:attrNameLst>
-                                          <p:attrName>style.visibility</p:attrName>
-                                        </p:attrNameLst>
-                                      </p:cBhvr>
-                                      <p:to>
-                                        <p:strVal val="visible"/>
-                                      </p:to>
-                                    </p:set>
-                                  </p:childTnLst>
-                                </p:cTn>
-                              </p:par>
-                            </p:childTnLst>
-                          </p:cTn>
-                        </p:par>
-                      </p:childTnLst>
-                    </p:cTn>
-                  </p:par>
-                  <p:par>
-                    <p:cTn id="11" fill="hold">
-                      <p:stCondLst>
-                        <p:cond delay="indefinite"/>
-                      </p:stCondLst>
-                      <p:childTnLst>
-                        <p:par>
-                          <p:cTn id="12" fill="hold">
-                            <p:stCondLst>
-                              <p:cond delay="0"/>
-                            </p:stCondLst>
-                            <p:childTnLst>
-                              <p:par>
-                                <p:cTn id="13" presetID="1" presetClass="entr" presetSubtype="0" fill="hold" grpId="0" nodeType="clickEffect">
-                                  <p:stCondLst>
-                                    <p:cond delay="0"/>
-                                  </p:stCondLst>
-                                  <p:childTnLst>
-                                    <p:set>
-                                      <p:cBhvr>
-                                        <p:cTn id="14" dur="1" fill="hold">
-                                          <p:stCondLst>
-                                            <p:cond delay="0"/>
-                                          </p:stCondLst>
-                                        </p:cTn>
-                                        <p:tgtEl>
-                                          <p:spTgt spid="27">
-                                            <p:txEl>
-                                              <p:pRg st="0" end="0"/>
-                                            </p:txEl>
-                                          </p:spTgt>
-                                        </p:tgtEl>
-                                        <p:attrNameLst>
-                                          <p:attrName>style.visibility</p:attrName>
-                                        </p:attrNameLst>
-                                      </p:cBhvr>
-                                      <p:to>
-                                        <p:strVal val="visible"/>
-                                      </p:to>
-                                    </p:set>
-                                  </p:childTnLst>
-                                </p:cTn>
-                              </p:par>
-                            </p:childTnLst>
-                          </p:cTn>
-                        </p:par>
-                      </p:childTnLst>
-                    </p:cTn>
-                  </p:par>
-                  <p:par>
-                    <p:cTn id="15" fill="hold">
-                      <p:stCondLst>
-                        <p:cond delay="indefinite"/>
-                      </p:stCondLst>
-                      <p:childTnLst>
-                        <p:par>
-                          <p:cTn id="16" fill="hold">
-                            <p:stCondLst>
-                              <p:cond delay="0"/>
-                            </p:stCondLst>
-                            <p:childTnLst>
-                              <p:par>
-                                <p:cTn id="17" presetID="1" presetClass="entr" presetSubtype="0" fill="hold" grpId="0" nodeType="clickEffect">
-                                  <p:stCondLst>
-                                    <p:cond delay="0"/>
-                                  </p:stCondLst>
-                                  <p:childTnLst>
-                                    <p:set>
-                                      <p:cBhvr>
-                                        <p:cTn id="18" dur="1" fill="hold">
-                                          <p:stCondLst>
-                                            <p:cond delay="0"/>
-                                          </p:stCondLst>
-                                        </p:cTn>
-                                        <p:tgtEl>
-                                          <p:spTgt spid="28">
-                                            <p:txEl>
-                                              <p:pRg st="0" end="0"/>
-                                            </p:txEl>
-                                          </p:spTgt>
-                                        </p:tgtEl>
-                                        <p:attrNameLst>
-                                          <p:attrName>style.visibility</p:attrName>
-                                        </p:attrNameLst>
-                                      </p:cBhvr>
-                                      <p:to>
-                                        <p:strVal val="visible"/>
-                                      </p:to>
-                                    </p:set>
-                                  </p:childTnLst>
-                                </p:cTn>
-                              </p:par>
-                            </p:childTnLst>
-                          </p:cTn>
-                        </p:par>
-                      </p:childTnLst>
-                    </p:cTn>
-                  </p:par>
-                  <p:par>
-                    <p:cTn id="19" fill="hold">
-                      <p:stCondLst>
-                        <p:cond delay="indefinite"/>
-                      </p:stCondLst>
-                      <p:childTnLst>
-                        <p:par>
-                          <p:cTn id="20" fill="hold">
-                            <p:stCondLst>
-                              <p:cond delay="0"/>
-                            </p:stCondLst>
-                            <p:childTnLst>
-                              <p:par>
-                                <p:cTn id="21" presetID="1" presetClass="entr" presetSubtype="0" fill="hold" grpId="0" nodeType="clickEffect">
-                                  <p:stCondLst>
-                                    <p:cond delay="0"/>
-                                  </p:stCondLst>
-                                  <p:childTnLst>
-                                    <p:set>
-                                      <p:cBhvr>
-                                        <p:cTn id="22" dur="1" fill="hold">
-                                          <p:stCondLst>
-                                            <p:cond delay="0"/>
-                                          </p:stCondLst>
-                                        </p:cTn>
-                                        <p:tgtEl>
-                                          <p:spTgt spid="29">
-                                            <p:txEl>
-                                              <p:pRg st="0" end="0"/>
-                                            </p:txEl>
-                                          </p:spTgt>
-                                        </p:tgtEl>
-                                        <p:attrNameLst>
-                                          <p:attrName>style.visibility</p:attrName>
-                                        </p:attrNameLst>
-                                      </p:cBhvr>
-                                      <p:to>
-                                        <p:strVal val="visible"/>
-                                      </p:to>
-                                    </p:set>
-                                  </p:childTnLst>
-                                </p:cTn>
-                              </p:par>
-                            </p:childTnLst>
-                          </p:cTn>
-                        </p:par>
-                      </p:childTnLst>
-                    </p:cTn>
-                  </p:par>
-                  <p:par>
-                    <p:cTn id="23" fill="hold">
-                      <p:stCondLst>
-                        <p:cond delay="indefinite"/>
-                      </p:stCondLst>
-                      <p:childTnLst>
-                        <p:par>
-                          <p:cTn id="24" fill="hold">
-                            <p:stCondLst>
-                              <p:cond delay="0"/>
-                            </p:stCondLst>
-                            <p:childTnLst>
-                              <p:par>
-                                <p:cTn id="25" presetID="1" presetClass="entr" presetSubtype="0" fill="hold" grpId="0" nodeType="clickEffect">
-                                  <p:stCondLst>
-                                    <p:cond delay="0"/>
-                                  </p:stCondLst>
-                                  <p:childTnLst>
-                                    <p:set>
-                                      <p:cBhvr>
-                                        <p:cTn id="26" dur="1" fill="hold">
-                                          <p:stCondLst>
-                                            <p:cond delay="0"/>
-                                          </p:stCondLst>
-                                        </p:cTn>
-                                        <p:tgtEl>
-                                          <p:spTgt spid="30">
-                                            <p:txEl>
-                                              <p:pRg st="0" end="0"/>
-                                            </p:txEl>
-                                          </p:spTgt>
-                                        </p:tgtEl>
-                                        <p:attrNameLst>
-                                          <p:attrName>style.visibility</p:attrName>
-                                        </p:attrNameLst>
-                                      </p:cBhvr>
-                                      <p:to>
-                                        <p:strVal val="visible"/>
-                                      </p:to>
-                                    </p:set>
-                                  </p:childTnLst>
-                                </p:cTn>
-                              </p:par>
-                            </p:childTnLst>
-                          </p:cTn>
-                        </p:par>
-                      </p:childTnLst>
-                    </p:cTn>
-                  </p:par>
-                  <p:par>
-                    <p:cTn id="27" fill="hold">
-                      <p:stCondLst>
-                        <p:cond delay="indefinite"/>
-                      </p:stCondLst>
-                      <p:childTnLst>
-                        <p:par>
-                          <p:cTn id="28" fill="hold">
-                            <p:stCondLst>
-                              <p:cond delay="0"/>
-                            </p:stCondLst>
-                            <p:childTnLst>
-                              <p:par>
-                                <p:cTn id="29" presetID="1" presetClass="entr" presetSubtype="0" fill="hold" grpId="0" nodeType="clickEffect">
-                                  <p:stCondLst>
-                                    <p:cond delay="0"/>
-                                  </p:stCondLst>
-                                  <p:childTnLst>
-                                    <p:set>
-                                      <p:cBhvr>
-                                        <p:cTn id="30" dur="1" fill="hold">
-                                          <p:stCondLst>
-                                            <p:cond delay="0"/>
-                                          </p:stCondLst>
-                                        </p:cTn>
-                                        <p:tgtEl>
-                                          <p:spTgt spid="12">
-                                            <p:txEl>
-                                              <p:pRg st="0" end="0"/>
-                                            </p:txEl>
-                                          </p:spTgt>
-                                        </p:tgtEl>
-                                        <p:attrNameLst>
-                                          <p:attrName>style.visibility</p:attrName>
-                                        </p:attrNameLst>
-                                      </p:cBhvr>
-                                      <p:to>
-                                        <p:strVal val="visible"/>
-                                      </p:to>
-                                    </p:set>
-                                  </p:childTnLst>
-                                </p:cTn>
-                              </p:par>
-                            </p:childTnLst>
-                          </p:cTn>
-                        </p:par>
-                      </p:childTnLst>
-                    </p:cTn>
-                  </p:par>
-                </p:childTnLst>
-              </p:cTn>
-              <p:prevCondLst>
-                <p:cond evt="onPrev" delay="0">
-                  <p:tgtEl>
-                    <p:sldTgt/>
-                  </p:tgtEl>
-                </p:cond>
-              </p:prevCondLst>
-              <p:nextCondLst>
-                <p:cond evt="onNext" delay="0">
-                  <p:tgtEl>
-                    <p:sldTgt/>
-                  </p:tgtEl>
-                </p:cond>
-              </p:nextCondLst>
-            </p:seq>
-          </p:childTnLst>
-        </p:cTn>
-      </p:par>
-    </p:tnLst>
-    <p:bldLst>
-      <p:bldP spid="15" grpId="0" build="p"/>
-      <p:bldP spid="26" grpId="0" build="p"/>
-      <p:bldP spid="27" grpId="0" build="p"/>
-      <p:bldP spid="28" grpId="0" build="p"/>
-      <p:bldP spid="29" grpId="0" build="p"/>
-      <p:bldP spid="30" grpId="0" build="p"/>
-      <p:bldP spid="12" grpId="0" build="p"/>
-    </p:bldLst>
-  </p:timing>
 </p:sld>
 </file>
 
